--- a/slides/CS4220Project.pptx
+++ b/slides/CS4220Project.pptx
@@ -14,9 +14,8 @@
     <p:sldId id="261" r:id="rId8"/>
     <p:sldId id="262" r:id="rId9"/>
     <p:sldId id="263" r:id="rId10"/>
-    <p:sldId id="266" r:id="rId11"/>
-    <p:sldId id="264" r:id="rId12"/>
-    <p:sldId id="265" r:id="rId13"/>
+    <p:sldId id="264" r:id="rId11"/>
+    <p:sldId id="268" r:id="rId12"/>
   </p:sldIdLst>
   <p:sldSz cx="12192000" cy="6858000"/>
   <p:notesSz cx="6858000" cy="9144000"/>
@@ -115,6 +114,11 @@
       </a:defRPr>
     </a:lvl9pPr>
   </p:defaultTextStyle>
+  <p:extLst>
+    <p:ext uri="{EFAFB233-063F-42B5-8137-9DF3F51BA10A}">
+      <p15:sldGuideLst xmlns:p15="http://schemas.microsoft.com/office/powerpoint/2012/main"/>
+    </p:ext>
+  </p:extLst>
 </p:presentation>
 </file>
 
@@ -864,7 +868,7 @@
             <a:fld id="{B61BEF0D-F0BB-DE4B-95CE-6DB70DBA9567}" type="datetimeFigureOut">
               <a:rPr lang="en-US" dirty="0"/>
               <a:pPr/>
-              <a:t>4/7/2015</a:t>
+              <a:t>4/14/2015</a:t>
             </a:fld>
             <a:endParaRPr lang="en-US" dirty="0"/>
           </a:p>
@@ -1112,7 +1116,7 @@
             <a:fld id="{B61BEF0D-F0BB-DE4B-95CE-6DB70DBA9567}" type="datetimeFigureOut">
               <a:rPr lang="en-US" dirty="0"/>
               <a:pPr/>
-              <a:t>4/7/2015</a:t>
+              <a:t>4/14/2015</a:t>
             </a:fld>
             <a:endParaRPr lang="en-US" dirty="0"/>
           </a:p>
@@ -1423,7 +1427,7 @@
             <a:fld id="{B61BEF0D-F0BB-DE4B-95CE-6DB70DBA9567}" type="datetimeFigureOut">
               <a:rPr lang="en-US" dirty="0"/>
               <a:pPr/>
-              <a:t>4/7/2015</a:t>
+              <a:t>4/14/2015</a:t>
             </a:fld>
             <a:endParaRPr lang="en-US" dirty="0"/>
           </a:p>
@@ -1753,7 +1757,7 @@
             <a:fld id="{B61BEF0D-F0BB-DE4B-95CE-6DB70DBA9567}" type="datetimeFigureOut">
               <a:rPr lang="en-US" dirty="0"/>
               <a:pPr/>
-              <a:t>4/7/2015</a:t>
+              <a:t>4/14/2015</a:t>
             </a:fld>
             <a:endParaRPr lang="en-US" dirty="0"/>
           </a:p>
@@ -2064,7 +2068,7 @@
             <a:fld id="{B61BEF0D-F0BB-DE4B-95CE-6DB70DBA9567}" type="datetimeFigureOut">
               <a:rPr lang="en-US" dirty="0"/>
               <a:pPr/>
-              <a:t>4/7/2015</a:t>
+              <a:t>4/14/2015</a:t>
             </a:fld>
             <a:endParaRPr lang="en-US" dirty="0"/>
           </a:p>
@@ -2454,7 +2458,7 @@
             <a:fld id="{B61BEF0D-F0BB-DE4B-95CE-6DB70DBA9567}" type="datetimeFigureOut">
               <a:rPr lang="en-US" dirty="0"/>
               <a:pPr/>
-              <a:t>4/7/2015</a:t>
+              <a:t>4/14/2015</a:t>
             </a:fld>
             <a:endParaRPr lang="en-US" dirty="0"/>
           </a:p>
@@ -2620,7 +2624,7 @@
           <a:p>
             <a:fld id="{55C6B4A9-1611-4792-9094-5F34BCA07E0B}" type="datetimeFigureOut">
               <a:rPr lang="en-US" dirty="0"/>
-              <a:t>4/7/2015</a:t>
+              <a:t>4/14/2015</a:t>
             </a:fld>
             <a:endParaRPr lang="en-US" dirty="0"/>
           </a:p>
@@ -2796,7 +2800,7 @@
             <a:fld id="{B61BEF0D-F0BB-DE4B-95CE-6DB70DBA9567}" type="datetimeFigureOut">
               <a:rPr lang="en-US" dirty="0"/>
               <a:pPr/>
-              <a:t>4/7/2015</a:t>
+              <a:t>4/14/2015</a:t>
             </a:fld>
             <a:endParaRPr lang="en-US" dirty="0"/>
           </a:p>
@@ -2962,7 +2966,7 @@
           <a:p>
             <a:fld id="{42A54C80-263E-416B-A8E0-580EDEADCBDC}" type="datetimeFigureOut">
               <a:rPr lang="en-US" dirty="0"/>
-              <a:t>4/7/2015</a:t>
+              <a:t>4/14/2015</a:t>
             </a:fld>
             <a:endParaRPr lang="en-US" dirty="0"/>
           </a:p>
@@ -3205,7 +3209,7 @@
             <a:fld id="{B61BEF0D-F0BB-DE4B-95CE-6DB70DBA9567}" type="datetimeFigureOut">
               <a:rPr lang="en-US" dirty="0"/>
               <a:pPr/>
-              <a:t>4/7/2015</a:t>
+              <a:t>4/14/2015</a:t>
             </a:fld>
             <a:endParaRPr lang="en-US" dirty="0"/>
           </a:p>
@@ -3433,7 +3437,7 @@
           <a:p>
             <a:fld id="{42A54C80-263E-416B-A8E0-580EDEADCBDC}" type="datetimeFigureOut">
               <a:rPr lang="en-US" dirty="0"/>
-              <a:t>4/7/2015</a:t>
+              <a:t>4/14/2015</a:t>
             </a:fld>
             <a:endParaRPr lang="en-US" dirty="0"/>
           </a:p>
@@ -3803,7 +3807,7 @@
             <a:fld id="{B61BEF0D-F0BB-DE4B-95CE-6DB70DBA9567}" type="datetimeFigureOut">
               <a:rPr lang="en-US" dirty="0"/>
               <a:pPr/>
-              <a:t>4/7/2015</a:t>
+              <a:t>4/14/2015</a:t>
             </a:fld>
             <a:endParaRPr lang="en-US" dirty="0"/>
           </a:p>
@@ -3923,7 +3927,7 @@
             <a:fld id="{B61BEF0D-F0BB-DE4B-95CE-6DB70DBA9567}" type="datetimeFigureOut">
               <a:rPr lang="en-US" dirty="0"/>
               <a:pPr/>
-              <a:t>4/7/2015</a:t>
+              <a:t>4/14/2015</a:t>
             </a:fld>
             <a:endParaRPr lang="en-US" dirty="0"/>
           </a:p>
@@ -4015,7 +4019,7 @@
             <a:fld id="{B61BEF0D-F0BB-DE4B-95CE-6DB70DBA9567}" type="datetimeFigureOut">
               <a:rPr lang="en-US" dirty="0"/>
               <a:pPr/>
-              <a:t>4/7/2015</a:t>
+              <a:t>4/14/2015</a:t>
             </a:fld>
             <a:endParaRPr lang="en-US" dirty="0"/>
           </a:p>
@@ -4266,7 +4270,7 @@
           <a:p>
             <a:fld id="{42A54C80-263E-416B-A8E0-580EDEADCBDC}" type="datetimeFigureOut">
               <a:rPr lang="en-US" dirty="0"/>
-              <a:t>4/7/2015</a:t>
+              <a:t>4/14/2015</a:t>
             </a:fld>
             <a:endParaRPr lang="en-US" dirty="0"/>
           </a:p>
@@ -4568,7 +4572,7 @@
             <a:fld id="{B61BEF0D-F0BB-DE4B-95CE-6DB70DBA9567}" type="datetimeFigureOut">
               <a:rPr lang="en-US" dirty="0"/>
               <a:pPr/>
-              <a:t>4/7/2015</a:t>
+              <a:t>4/14/2015</a:t>
             </a:fld>
             <a:endParaRPr lang="en-US" dirty="0"/>
           </a:p>
@@ -5266,7 +5270,7 @@
             <a:fld id="{B61BEF0D-F0BB-DE4B-95CE-6DB70DBA9567}" type="datetimeFigureOut">
               <a:rPr lang="en-US" dirty="0"/>
               <a:pPr/>
-              <a:t>4/7/2015</a:t>
+              <a:t>4/14/2015</a:t>
             </a:fld>
             <a:endParaRPr lang="en-US" dirty="0"/>
           </a:p>
@@ -5905,268 +5909,107 @@
           <a:lstStyle/>
           <a:p>
             <a:r>
-              <a:rPr lang="en-SG" dirty="0"/>
-              <a:t>Integrated Scoring Scheme</a:t>
-            </a:r>
-          </a:p>
-        </p:txBody>
-      </p:sp>
-      <mc:AlternateContent xmlns:mc="http://schemas.openxmlformats.org/markup-compatibility/2006">
-        <mc:Choice xmlns:a14="http://schemas.microsoft.com/office/drawing/2010/main" Requires="a14">
-          <p:sp>
-            <p:nvSpPr>
-              <p:cNvPr id="3" name="Content Placeholder 2"/>
-              <p:cNvSpPr>
-                <a:spLocks noGrp="1"/>
-              </p:cNvSpPr>
-              <p:nvPr>
-                <p:ph idx="1"/>
-              </p:nvPr>
-            </p:nvSpPr>
-            <p:spPr/>
-            <p:txBody>
-              <a:bodyPr/>
-              <a:lstStyle/>
-              <a:p>
-                <a:r>
-                  <a:rPr lang="en-SG" dirty="0" smtClean="0"/>
-                  <a:t>Sigmoid function c(x) = 1 / (1 + e</a:t>
-                </a:r>
-                <a:r>
-                  <a:rPr lang="en-SG" baseline="30000" dirty="0" smtClean="0"/>
-                  <a:t>-x</a:t>
-                </a:r>
-                <a:r>
-                  <a:rPr lang="en-SG" dirty="0" smtClean="0"/>
-                  <a:t>)</a:t>
-                </a:r>
-              </a:p>
-              <a:p>
-                <a:r>
-                  <a:rPr lang="en-SG" dirty="0" smtClean="0"/>
-                  <a:t>Define </a:t>
-                </a:r>
-                <a14:m>
-                  <m:oMath xmlns:m="http://schemas.openxmlformats.org/officeDocument/2006/math">
-                    <m:r>
-                      <a:rPr lang="en-SG" b="0" i="1" smtClean="0">
-                        <a:latin typeface="Cambria Math" panose="02040503050406030204" pitchFamily="18" charset="0"/>
-                      </a:rPr>
-                      <m:t>𝑙𝑎𝑏𝑒𝑙</m:t>
-                    </m:r>
-                    <m:d>
-                      <m:dPr>
-                        <m:ctrlPr>
-                          <a:rPr lang="en-SG" b="0" i="1" smtClean="0">
-                            <a:latin typeface="Cambria Math" panose="02040503050406030204" pitchFamily="18" charset="0"/>
-                          </a:rPr>
-                        </m:ctrlPr>
-                      </m:dPr>
-                      <m:e>
-                        <m:r>
-                          <a:rPr lang="en-SG" b="0" i="1" smtClean="0">
-                            <a:latin typeface="Cambria Math" panose="02040503050406030204" pitchFamily="18" charset="0"/>
-                          </a:rPr>
-                          <m:t>𝑝</m:t>
-                        </m:r>
-                        <m:r>
-                          <a:rPr lang="en-SG" b="0" i="1" smtClean="0">
-                            <a:latin typeface="Cambria Math" panose="02040503050406030204" pitchFamily="18" charset="0"/>
-                          </a:rPr>
-                          <m:t>,</m:t>
-                        </m:r>
-                        <m:r>
-                          <a:rPr lang="en-SG" b="0" i="1" smtClean="0">
-                            <a:latin typeface="Cambria Math" panose="02040503050406030204" pitchFamily="18" charset="0"/>
-                          </a:rPr>
-                          <m:t>𝑞</m:t>
-                        </m:r>
-                      </m:e>
-                    </m:d>
-                    <m:r>
-                      <a:rPr lang="en-SG" b="0" i="1" smtClean="0">
-                        <a:latin typeface="Cambria Math" panose="02040503050406030204" pitchFamily="18" charset="0"/>
-                      </a:rPr>
-                      <m:t>= </m:t>
-                    </m:r>
-                    <m:d>
-                      <m:dPr>
-                        <m:begChr m:val="{"/>
-                        <m:endChr m:val=""/>
-                        <m:ctrlPr>
-                          <a:rPr lang="en-SG" b="0" i="1" smtClean="0">
-                            <a:latin typeface="Cambria Math" panose="02040503050406030204" pitchFamily="18" charset="0"/>
-                          </a:rPr>
-                        </m:ctrlPr>
-                      </m:dPr>
-                      <m:e>
-                        <m:eqArr>
-                          <m:eqArrPr>
-                            <m:ctrlPr>
-                              <a:rPr lang="en-SG" b="0" i="1" smtClean="0">
-                                <a:latin typeface="Cambria Math" panose="02040503050406030204" pitchFamily="18" charset="0"/>
-                              </a:rPr>
-                            </m:ctrlPr>
-                          </m:eqArrPr>
-                          <m:e>
-                            <m:r>
-                              <a:rPr lang="en-SG" b="0" i="1" smtClean="0">
-                                <a:latin typeface="Cambria Math" panose="02040503050406030204" pitchFamily="18" charset="0"/>
-                              </a:rPr>
-                              <m:t>0 </m:t>
-                            </m:r>
-                            <m:r>
-                              <a:rPr lang="en-SG" b="0" i="1" smtClean="0">
-                                <a:latin typeface="Cambria Math" panose="02040503050406030204" pitchFamily="18" charset="0"/>
-                              </a:rPr>
-                              <m:t>𝑖𝑓</m:t>
-                            </m:r>
-                            <m:r>
-                              <a:rPr lang="en-SG" b="0" i="1" smtClean="0">
-                                <a:latin typeface="Cambria Math" panose="02040503050406030204" pitchFamily="18" charset="0"/>
-                              </a:rPr>
-                              <m:t> </m:t>
-                            </m:r>
-                            <m:r>
-                              <a:rPr lang="en-SG" b="0" i="1" smtClean="0">
-                                <a:latin typeface="Cambria Math" panose="02040503050406030204" pitchFamily="18" charset="0"/>
-                              </a:rPr>
-                              <m:t>𝑐</m:t>
-                            </m:r>
-                            <m:d>
-                              <m:dPr>
-                                <m:ctrlPr>
-                                  <a:rPr lang="en-SG" b="0" i="1" smtClean="0">
-                                    <a:latin typeface="Cambria Math" panose="02040503050406030204" pitchFamily="18" charset="0"/>
-                                  </a:rPr>
-                                </m:ctrlPr>
-                              </m:dPr>
-                              <m:e>
-                                <m:r>
-                                  <a:rPr lang="en-SG" b="0" i="1" smtClean="0">
-                                    <a:latin typeface="Cambria Math" panose="02040503050406030204" pitchFamily="18" charset="0"/>
-                                  </a:rPr>
-                                  <m:t>𝑠𝑐𝑜𝑟𝑒</m:t>
-                                </m:r>
-                                <m:d>
-                                  <m:dPr>
-                                    <m:ctrlPr>
-                                      <a:rPr lang="en-SG" b="0" i="1" smtClean="0">
-                                        <a:latin typeface="Cambria Math" panose="02040503050406030204" pitchFamily="18" charset="0"/>
-                                      </a:rPr>
-                                    </m:ctrlPr>
-                                  </m:dPr>
-                                  <m:e>
-                                    <m:r>
-                                      <a:rPr lang="en-SG" b="0" i="1" smtClean="0">
-                                        <a:latin typeface="Cambria Math" panose="02040503050406030204" pitchFamily="18" charset="0"/>
-                                      </a:rPr>
-                                      <m:t>𝑝</m:t>
-                                    </m:r>
-                                    <m:r>
-                                      <a:rPr lang="en-SG" b="0" i="1" smtClean="0">
-                                        <a:latin typeface="Cambria Math" panose="02040503050406030204" pitchFamily="18" charset="0"/>
-                                      </a:rPr>
-                                      <m:t>,</m:t>
-                                    </m:r>
-                                    <m:r>
-                                      <a:rPr lang="en-SG" b="0" i="1" smtClean="0">
-                                        <a:latin typeface="Cambria Math" panose="02040503050406030204" pitchFamily="18" charset="0"/>
-                                      </a:rPr>
-                                      <m:t>𝑞</m:t>
-                                    </m:r>
-                                  </m:e>
-                                </m:d>
-                              </m:e>
-                            </m:d>
-                            <m:r>
-                              <a:rPr lang="en-SG" b="0" i="1" smtClean="0">
-                                <a:latin typeface="Cambria Math" panose="02040503050406030204" pitchFamily="18" charset="0"/>
-                              </a:rPr>
-                              <m:t>&lt;</m:t>
-                            </m:r>
-                            <m:r>
-                              <a:rPr lang="en-SG" b="0" i="1" smtClean="0">
-                                <a:latin typeface="Cambria Math" panose="02040503050406030204" pitchFamily="18" charset="0"/>
-                              </a:rPr>
-                              <m:t>𝑇</m:t>
-                            </m:r>
-                          </m:e>
-                          <m:e>
-                            <m:r>
-                              <a:rPr lang="en-SG" b="0" i="1" smtClean="0">
-                                <a:latin typeface="Cambria Math" panose="02040503050406030204" pitchFamily="18" charset="0"/>
-                              </a:rPr>
-                              <m:t>1 </m:t>
-                            </m:r>
-                            <m:r>
-                              <a:rPr lang="en-SG" b="0" i="1" smtClean="0">
-                                <a:latin typeface="Cambria Math" panose="02040503050406030204" pitchFamily="18" charset="0"/>
-                              </a:rPr>
-                              <m:t>𝑜𝑡h𝑒𝑟𝑤𝑖𝑠𝑒</m:t>
-                            </m:r>
-                            <m:r>
-                              <a:rPr lang="en-SG" b="0" i="1" smtClean="0">
-                                <a:latin typeface="Cambria Math" panose="02040503050406030204" pitchFamily="18" charset="0"/>
-                              </a:rPr>
-                              <m:t>                     </m:t>
-                            </m:r>
-                          </m:e>
-                        </m:eqArr>
-                      </m:e>
-                    </m:d>
-                  </m:oMath>
-                </a14:m>
-                <a:endParaRPr lang="en-SG" dirty="0" smtClean="0"/>
-              </a:p>
-              <a:p>
-                <a:r>
-                  <a:rPr lang="en-SG" dirty="0" smtClean="0"/>
-                  <a:t>Classification problem</a:t>
-                </a:r>
-                <a:endParaRPr lang="en-SG" dirty="0"/>
-              </a:p>
-            </p:txBody>
-          </p:sp>
-        </mc:Choice>
-        <mc:Fallback>
-          <p:sp>
-            <p:nvSpPr>
-              <p:cNvPr id="3" name="Content Placeholder 2"/>
-              <p:cNvSpPr>
-                <a:spLocks noGrp="1" noRot="1" noChangeAspect="1" noMove="1" noResize="1" noEditPoints="1" noAdjustHandles="1" noChangeArrowheads="1" noChangeShapeType="1" noTextEdit="1"/>
-              </p:cNvSpPr>
-              <p:nvPr>
-                <p:ph idx="1"/>
-              </p:nvPr>
-            </p:nvSpPr>
-            <p:spPr>
-              <a:blipFill rotWithShape="0">
-                <a:blip r:embed="rId2"/>
-                <a:stretch>
-                  <a:fillRect l="-142" t="-942"/>
-                </a:stretch>
-              </a:blipFill>
-            </p:spPr>
-            <p:txBody>
-              <a:bodyPr/>
-              <a:lstStyle/>
-              <a:p>
-                <a:r>
-                  <a:rPr lang="en-SG">
-                    <a:noFill/>
-                  </a:rPr>
-                  <a:t> </a:t>
-                </a:r>
-              </a:p>
-            </p:txBody>
-          </p:sp>
-        </mc:Fallback>
-      </mc:AlternateContent>
+              <a:rPr lang="en-SG" dirty="0" smtClean="0"/>
+              <a:t>Learning weights</a:t>
+            </a:r>
+            <a:endParaRPr lang="en-SG" dirty="0"/>
+          </a:p>
+        </p:txBody>
+      </p:sp>
+      <p:sp>
+        <p:nvSpPr>
+          <p:cNvPr id="3" name="Content Placeholder 2"/>
+          <p:cNvSpPr>
+            <a:spLocks noGrp="1"/>
+          </p:cNvSpPr>
+          <p:nvPr>
+            <p:ph idx="1"/>
+          </p:nvPr>
+        </p:nvSpPr>
+        <p:spPr/>
+        <p:txBody>
+          <a:bodyPr/>
+          <a:lstStyle/>
+          <a:p>
+            <a:r>
+              <a:rPr lang="en-SG" dirty="0" smtClean="0"/>
+              <a:t>Supervised Learning : No training data</a:t>
+            </a:r>
+            <a:endParaRPr lang="en-SG" dirty="0" smtClean="0">
+              <a:sym typeface="Wingdings" panose="05000000000000000000" pitchFamily="2" charset="2"/>
+            </a:endParaRPr>
+          </a:p>
+          <a:p>
+            <a:r>
+              <a:rPr lang="en-SG" dirty="0" smtClean="0">
+                <a:sym typeface="Wingdings" panose="05000000000000000000" pitchFamily="2" charset="2"/>
+              </a:rPr>
+              <a:t>Intuition: Average score of top matches should be distinctively higher than average score of other matches.</a:t>
+            </a:r>
+          </a:p>
+          <a:p>
+            <a:r>
+              <a:rPr lang="en-SG" dirty="0" smtClean="0">
+                <a:sym typeface="Wingdings" panose="05000000000000000000" pitchFamily="2" charset="2"/>
+              </a:rPr>
+              <a:t> Fitness function: f(D</a:t>
+            </a:r>
+            <a:r>
+              <a:rPr lang="en-SG" baseline="-25000" dirty="0" smtClean="0">
+                <a:sym typeface="Wingdings" panose="05000000000000000000" pitchFamily="2" charset="2"/>
+              </a:rPr>
+              <a:t>1</a:t>
+            </a:r>
+            <a:r>
+              <a:rPr lang="en-SG" dirty="0" smtClean="0">
+                <a:sym typeface="Wingdings" panose="05000000000000000000" pitchFamily="2" charset="2"/>
+              </a:rPr>
+              <a:t>,D</a:t>
+            </a:r>
+            <a:r>
+              <a:rPr lang="en-SG" baseline="-25000" dirty="0" smtClean="0">
+                <a:sym typeface="Wingdings" panose="05000000000000000000" pitchFamily="2" charset="2"/>
+              </a:rPr>
+              <a:t>2</a:t>
+            </a:r>
+            <a:r>
+              <a:rPr lang="en-SG" dirty="0" smtClean="0">
+                <a:sym typeface="Wingdings" panose="05000000000000000000" pitchFamily="2" charset="2"/>
+              </a:rPr>
+              <a:t>,</a:t>
+            </a:r>
+            <a:r>
+              <a:rPr lang="en-SG" b="1" dirty="0" smtClean="0">
+                <a:sym typeface="Wingdings" panose="05000000000000000000" pitchFamily="2" charset="2"/>
+              </a:rPr>
+              <a:t>W</a:t>
+            </a:r>
+            <a:r>
+              <a:rPr lang="en-SG" dirty="0" smtClean="0">
+                <a:sym typeface="Wingdings" panose="05000000000000000000" pitchFamily="2" charset="2"/>
+              </a:rPr>
+              <a:t>) = Average score of top matches / Average score of remaining matches	</a:t>
+            </a:r>
+          </a:p>
+          <a:p>
+            <a:r>
+              <a:rPr lang="en-SG" dirty="0" smtClean="0">
+                <a:sym typeface="Wingdings" panose="05000000000000000000" pitchFamily="2" charset="2"/>
+              </a:rPr>
+              <a:t> </a:t>
+            </a:r>
+            <a:r>
+              <a:rPr lang="en-SG" smtClean="0"/>
+              <a:t>Genetic algorithm</a:t>
+            </a:r>
+            <a:endParaRPr lang="en-SG" dirty="0" smtClean="0"/>
+          </a:p>
+        </p:txBody>
+      </p:sp>
     </p:spTree>
     <p:extLst>
       <p:ext uri="{BB962C8B-B14F-4D97-AF65-F5344CB8AC3E}">
-        <p14:creationId xmlns:p14="http://schemas.microsoft.com/office/powerpoint/2010/main" val="4236632816"/>
+        <p14:creationId xmlns:p14="http://schemas.microsoft.com/office/powerpoint/2010/main" val="2231449373"/>
       </p:ext>
     </p:extLst>
   </p:cSld>
@@ -6210,7 +6053,7 @@
           <a:p>
             <a:r>
               <a:rPr lang="en-SG" dirty="0" smtClean="0"/>
-              <a:t>Learning weights</a:t>
+              <a:t>Genetic algorithm</a:t>
             </a:r>
             <a:endParaRPr lang="en-SG" dirty="0"/>
           </a:p>
@@ -6233,121 +6076,33 @@
           <a:p>
             <a:r>
               <a:rPr lang="en-SG" dirty="0" smtClean="0"/>
-              <a:t>Without training data: Heuristic</a:t>
+              <a:t>Survival of the fittest.</a:t>
             </a:r>
           </a:p>
           <a:p>
             <a:r>
               <a:rPr lang="en-SG" dirty="0" smtClean="0"/>
-              <a:t>With training data:</a:t>
+              <a:t>Mutation operator </a:t>
             </a:r>
           </a:p>
           <a:p>
             <a:r>
               <a:rPr lang="en-SG" dirty="0" smtClean="0"/>
-              <a:t>Stochastic gradient descent</a:t>
-            </a:r>
-          </a:p>
-          <a:p>
-            <a:r>
-              <a:rPr lang="en-SG" dirty="0" smtClean="0"/>
-              <a:t>Artificial Neural Network (ANN)</a:t>
-            </a:r>
-          </a:p>
-          <a:p>
-            <a:r>
-              <a:rPr lang="en-SG" dirty="0" smtClean="0"/>
-              <a:t>Support Vector Machine (SVM)</a:t>
-            </a:r>
+              <a:t>Crossover operator</a:t>
+            </a:r>
+          </a:p>
+          <a:p>
+            <a:pPr marL="0" indent="0">
+              <a:buNone/>
+            </a:pPr>
+            <a:endParaRPr lang="en-SG" dirty="0"/>
           </a:p>
         </p:txBody>
       </p:sp>
     </p:spTree>
     <p:extLst>
       <p:ext uri="{BB962C8B-B14F-4D97-AF65-F5344CB8AC3E}">
-        <p14:creationId xmlns:p14="http://schemas.microsoft.com/office/powerpoint/2010/main" val="2231449373"/>
-      </p:ext>
-    </p:extLst>
-  </p:cSld>
-  <p:clrMapOvr>
-    <a:masterClrMapping/>
-  </p:clrMapOvr>
-</p:sld>
-</file>
-
-<file path=ppt/slides/slide12.xml><?xml version="1.0" encoding="utf-8"?>
-<p:sld xmlns:a="http://schemas.openxmlformats.org/drawingml/2006/main" xmlns:r="http://schemas.openxmlformats.org/officeDocument/2006/relationships" xmlns:p="http://schemas.openxmlformats.org/presentationml/2006/main">
-  <p:cSld>
-    <p:spTree>
-      <p:nvGrpSpPr>
-        <p:cNvPr id="1" name=""/>
-        <p:cNvGrpSpPr/>
-        <p:nvPr/>
-      </p:nvGrpSpPr>
-      <p:grpSpPr>
-        <a:xfrm>
-          <a:off x="0" y="0"/>
-          <a:ext cx="0" cy="0"/>
-          <a:chOff x="0" y="0"/>
-          <a:chExt cx="0" cy="0"/>
-        </a:xfrm>
-      </p:grpSpPr>
-      <p:sp>
-        <p:nvSpPr>
-          <p:cNvPr id="2" name="Title 1"/>
-          <p:cNvSpPr>
-            <a:spLocks noGrp="1"/>
-          </p:cNvSpPr>
-          <p:nvPr>
-            <p:ph type="title"/>
-          </p:nvPr>
-        </p:nvSpPr>
-        <p:spPr/>
-        <p:txBody>
-          <a:bodyPr/>
-          <a:lstStyle/>
-          <a:p>
-            <a:r>
-              <a:rPr lang="en-SG" dirty="0" smtClean="0"/>
-              <a:t>Further consideration</a:t>
-            </a:r>
-            <a:endParaRPr lang="en-SG" dirty="0"/>
-          </a:p>
-        </p:txBody>
-      </p:sp>
-      <p:sp>
-        <p:nvSpPr>
-          <p:cNvPr id="3" name="Content Placeholder 2"/>
-          <p:cNvSpPr>
-            <a:spLocks noGrp="1"/>
-          </p:cNvSpPr>
-          <p:nvPr>
-            <p:ph idx="1"/>
-          </p:nvPr>
-        </p:nvSpPr>
-        <p:spPr/>
-        <p:txBody>
-          <a:bodyPr/>
-          <a:lstStyle/>
-          <a:p>
-            <a:r>
-              <a:rPr lang="en-SG" dirty="0" smtClean="0"/>
-              <a:t>Other metrics ?</a:t>
-            </a:r>
-          </a:p>
-          <a:p>
-            <a:r>
-              <a:rPr lang="en-SG" dirty="0" smtClean="0"/>
-              <a:t>Non-parametric methods ?</a:t>
-            </a:r>
-            <a:endParaRPr lang="en-SG" dirty="0"/>
-          </a:p>
-        </p:txBody>
-      </p:sp>
-    </p:spTree>
-    <p:extLst>
-      <p:ext uri="{BB962C8B-B14F-4D97-AF65-F5344CB8AC3E}">
-        <p14:creationId xmlns:p14="http://schemas.microsoft.com/office/powerpoint/2010/main" val="935756712"/>
+        <p14:creationId xmlns:p14="http://schemas.microsoft.com/office/powerpoint/2010/main" val="3594994908"/>
       </p:ext>
     </p:extLst>
   </p:cSld>
@@ -6885,8 +6640,8 @@
           </a:p>
         </p:txBody>
       </p:sp>
-      <mc:AlternateContent xmlns:mc="http://schemas.openxmlformats.org/markup-compatibility/2006">
-        <mc:Choice xmlns:a14="http://schemas.microsoft.com/office/drawing/2010/main" Requires="a14">
+      <mc:AlternateContent xmlns:mc="http://schemas.openxmlformats.org/markup-compatibility/2006" xmlns:a14="http://schemas.microsoft.com/office/drawing/2010/main">
+        <mc:Choice Requires="a14">
           <p:sp>
             <p:nvSpPr>
               <p:cNvPr id="3" name="Content Placeholder 2"/>
@@ -7299,7 +7054,7 @@
             </p:txBody>
           </p:sp>
         </mc:Choice>
-        <mc:Fallback>
+        <mc:Fallback xmlns="">
           <p:sp>
             <p:nvSpPr>
               <p:cNvPr id="3" name="Content Placeholder 2"/>
@@ -7474,8 +7229,8 @@
           </a:p>
         </p:txBody>
       </p:sp>
-      <mc:AlternateContent xmlns:mc="http://schemas.openxmlformats.org/markup-compatibility/2006">
-        <mc:Choice xmlns:a14="http://schemas.microsoft.com/office/drawing/2010/main" Requires="a14">
+      <mc:AlternateContent xmlns:mc="http://schemas.openxmlformats.org/markup-compatibility/2006" xmlns:a14="http://schemas.microsoft.com/office/drawing/2010/main">
+        <mc:Choice Requires="a14">
           <p:sp>
             <p:nvSpPr>
               <p:cNvPr id="3" name="Content Placeholder 2"/>
@@ -7961,7 +7716,7 @@
             </p:txBody>
           </p:sp>
         </mc:Choice>
-        <mc:Fallback>
+        <mc:Fallback xmlns="">
           <p:sp>
             <p:nvSpPr>
               <p:cNvPr id="3" name="Content Placeholder 2"/>
